--- a/PPT/PPT Reseacrh New.pptx
+++ b/PPT/PPT Reseacrh New.pptx
@@ -18036,7 +18036,7 @@
             </a:r>
             <a:r>
               <a:rPr lang="en-US" sz="1700" dirty="0" err="1"/>
-              <a:t>koelasi</a:t>
+              <a:t>korelasi</a:t>
             </a:r>
             <a:r>
               <a:rPr lang="en-US" sz="1700" dirty="0"/>

--- a/PPT/PPT Reseacrh New.pptx
+++ b/PPT/PPT Reseacrh New.pptx
@@ -15905,53 +15905,6 @@
       </p:grpSpPr>
       <p:sp>
         <p:nvSpPr>
-          <p:cNvPr id="271" name="Google Shape;271;p35"/>
-          <p:cNvSpPr txBox="1">
-            <a:spLocks noGrp="1"/>
-          </p:cNvSpPr>
-          <p:nvPr>
-            <p:ph type="subTitle" idx="3"/>
-          </p:nvPr>
-        </p:nvSpPr>
-        <p:spPr>
-          <a:xfrm>
-            <a:off x="1702759" y="3108012"/>
-            <a:ext cx="2448000" cy="359100"/>
-          </a:xfrm>
-          <a:prstGeom prst="rect">
-            <a:avLst/>
-          </a:prstGeom>
-        </p:spPr>
-        <p:txBody>
-          <a:bodyPr spcFirstLastPara="1" wrap="square" lIns="91425" tIns="91425" rIns="91425" bIns="91425" anchor="t" anchorCtr="0">
-            <a:noAutofit/>
-          </a:bodyPr>
-          <a:lstStyle/>
-          <a:p>
-            <a:pPr marL="0" lvl="0" indent="0" algn="l" rtl="0">
-              <a:spcBef>
-                <a:spcPts val="0"/>
-              </a:spcBef>
-              <a:spcAft>
-                <a:spcPts val="0"/>
-              </a:spcAft>
-              <a:buClr>
-                <a:schemeClr val="dk1"/>
-              </a:buClr>
-              <a:buSzPts val="1100"/>
-              <a:buFont typeface="Arial"/>
-              <a:buNone/>
-            </a:pPr>
-            <a:r>
-              <a:rPr lang="en" dirty="0"/>
-              <a:t>Research Timeline</a:t>
-            </a:r>
-            <a:endParaRPr dirty="0"/>
-          </a:p>
-        </p:txBody>
-      </p:sp>
-      <p:sp>
-        <p:nvSpPr>
           <p:cNvPr id="275" name="Google Shape;275;p35"/>
           <p:cNvSpPr txBox="1">
             <a:spLocks noGrp="1"/>
@@ -15986,14 +15939,7 @@
             </a:pPr>
             <a:r>
               <a:rPr lang="en" dirty="0"/>
-              <a:t>AGENDA</a:t>
-            </a:r>
-            <a:br>
-              <a:rPr lang="en" dirty="0"/>
-            </a:br>
-            <a:r>
-              <a:rPr lang="en" dirty="0"/>
-              <a:t>PENELITIAN</a:t>
+              <a:t>FORM OF RESEARCH</a:t>
             </a:r>
             <a:endParaRPr dirty="0"/>
           </a:p>
